--- a/CC update 12:13.pptx
+++ b/CC update 12:13.pptx
@@ -10,7 +10,7 @@
     <p:sldId id="257" r:id="rId4"/>
     <p:sldId id="260" r:id="rId5"/>
     <p:sldId id="261" r:id="rId6"/>
-    <p:sldId id="262" r:id="rId7"/>
+    <p:sldId id="263" r:id="rId7"/>
   </p:sldIdLst>
   <p:sldSz cx="12192000" cy="6858000"/>
   <p:notesSz cx="6858000" cy="9144000"/>
@@ -343,7 +343,7 @@
           <a:p>
             <a:fld id="{4BDF68E2-58F2-4D09-BE8B-E3BD06533059}" type="datetimeFigureOut">
               <a:rPr lang="en-US" dirty="0"/>
-              <a:t>12/13/17</a:t>
+              <a:t>12/14/17</a:t>
             </a:fld>
             <a:endParaRPr lang="en-US" dirty="0"/>
           </a:p>
@@ -546,7 +546,7 @@
           <a:p>
             <a:fld id="{2E2D6473-DF6D-4702-B328-E0DD40540A4E}" type="datetimeFigureOut">
               <a:rPr lang="en-US" dirty="0"/>
-              <a:t>12/13/17</a:t>
+              <a:t>12/14/17</a:t>
             </a:fld>
             <a:endParaRPr lang="en-US" dirty="0"/>
           </a:p>
@@ -797,7 +797,7 @@
           <a:p>
             <a:fld id="{E26F7E3A-B166-407D-9866-32884E7D5B37}" type="datetimeFigureOut">
               <a:rPr lang="en-US" dirty="0"/>
-              <a:t>12/13/17</a:t>
+              <a:t>12/14/17</a:t>
             </a:fld>
             <a:endParaRPr lang="en-US" dirty="0"/>
           </a:p>
@@ -966,7 +966,7 @@
           <a:p>
             <a:fld id="{528FC5F6-F338-4AE4-BB23-26385BCFC423}" type="datetimeFigureOut">
               <a:rPr lang="en-US" dirty="0"/>
-              <a:t>12/13/17</a:t>
+              <a:t>12/14/17</a:t>
             </a:fld>
             <a:endParaRPr lang="en-US" dirty="0"/>
           </a:p>
@@ -1304,7 +1304,7 @@
           <a:p>
             <a:fld id="{20EBB0C4-6273-4C6E-B9BD-2EDC30F1CD52}" type="datetimeFigureOut">
               <a:rPr lang="en-US" dirty="0"/>
-              <a:t>12/13/17</a:t>
+              <a:t>12/14/17</a:t>
             </a:fld>
             <a:endParaRPr lang="en-US" dirty="0"/>
           </a:p>
@@ -1574,7 +1574,7 @@
           <a:p>
             <a:fld id="{19AB4D41-86C1-4908-B66A-0B50CEB3BF29}" type="datetimeFigureOut">
               <a:rPr lang="en-US" dirty="0"/>
-              <a:t>12/13/17</a:t>
+              <a:t>12/14/17</a:t>
             </a:fld>
             <a:endParaRPr lang="en-US" dirty="0"/>
           </a:p>
@@ -1948,7 +1948,7 @@
           <a:p>
             <a:fld id="{E6426E2C-56C1-4E0D-A793-0088A7FDD37E}" type="datetimeFigureOut">
               <a:rPr lang="en-US" dirty="0"/>
-              <a:t>12/13/17</a:t>
+              <a:t>12/14/17</a:t>
             </a:fld>
             <a:endParaRPr lang="en-US" dirty="0"/>
           </a:p>
@@ -2061,7 +2061,7 @@
           <a:p>
             <a:fld id="{C8C39B41-D8B5-4052-B551-9B5525EAA8B6}" type="datetimeFigureOut">
               <a:rPr lang="en-US" dirty="0"/>
-              <a:t>12/13/17</a:t>
+              <a:t>12/14/17</a:t>
             </a:fld>
             <a:endParaRPr lang="en-US" dirty="0"/>
           </a:p>
@@ -2227,7 +2227,7 @@
           <a:p>
             <a:fld id="{4D94136C-8742-45B2-AF27-D93DF72833A9}" type="datetimeFigureOut">
               <a:rPr lang="en-US" dirty="0"/>
-              <a:t>12/13/17</a:t>
+              <a:t>12/14/17</a:t>
             </a:fld>
             <a:endParaRPr lang="en-US" dirty="0"/>
           </a:p>
@@ -2577,7 +2577,7 @@
           <a:p>
             <a:fld id="{32ABBEA6-7C60-4B02-AE87-00D78D8422AF}" type="datetimeFigureOut">
               <a:rPr lang="en-US" dirty="0"/>
-              <a:t>12/13/17</a:t>
+              <a:t>12/14/17</a:t>
             </a:fld>
             <a:endParaRPr lang="en-US" dirty="0"/>
           </a:p>
@@ -2952,7 +2952,7 @@
           <a:p>
             <a:fld id="{C9CAD897-D46E-4AD2-BD9B-49DD3E640873}" type="datetimeFigureOut">
               <a:rPr lang="en-US" dirty="0"/>
-              <a:t>12/13/17</a:t>
+              <a:t>12/14/17</a:t>
             </a:fld>
             <a:endParaRPr lang="en-US" dirty="0"/>
           </a:p>
@@ -3234,7 +3234,7 @@
           <a:p>
             <a:fld id="{98624D31-43A5-475A-80CF-332C9F6DCF35}" type="datetimeFigureOut">
               <a:rPr lang="en-US" dirty="0"/>
-              <a:t>12/13/17</a:t>
+              <a:t>12/14/17</a:t>
             </a:fld>
             <a:endParaRPr lang="en-US" dirty="0"/>
           </a:p>
@@ -4089,7 +4089,7 @@
         <p:spPr>
           <a:xfrm>
             <a:off x="1097279" y="2201778"/>
-            <a:ext cx="3392906" cy="2308324"/>
+            <a:ext cx="3392906" cy="3046988"/>
           </a:xfrm>
           <a:prstGeom prst="rect">
             <a:avLst/>
@@ -4170,7 +4170,40 @@
                 <a:ea typeface="Times New Roman" charset="0"/>
                 <a:cs typeface="Times New Roman" charset="0"/>
               </a:rPr>
-              <a:t>Command line</a:t>
+              <a:t>Command </a:t>
+            </a:r>
+            <a:r>
+              <a:rPr kumimoji="1" lang="en-US" altLang="zh-CN" sz="2400" dirty="0" smtClean="0">
+                <a:latin typeface="Times New Roman" charset="0"/>
+                <a:ea typeface="Times New Roman" charset="0"/>
+                <a:cs typeface="Times New Roman" charset="0"/>
+              </a:rPr>
+              <a:t>line</a:t>
+            </a:r>
+          </a:p>
+          <a:p>
+            <a:pPr marL="285750" indent="-285750">
+              <a:buFont typeface="Arial" charset="0"/>
+              <a:buChar char="•"/>
+            </a:pPr>
+            <a:endParaRPr kumimoji="1" lang="en-US" altLang="zh-CN" sz="2400" dirty="0">
+              <a:latin typeface="Times New Roman" charset="0"/>
+              <a:ea typeface="Times New Roman" charset="0"/>
+              <a:cs typeface="Times New Roman" charset="0"/>
+            </a:endParaRPr>
+          </a:p>
+          <a:p>
+            <a:pPr marL="285750" indent="-285750">
+              <a:buFont typeface="Arial" charset="0"/>
+              <a:buChar char="•"/>
+            </a:pPr>
+            <a:r>
+              <a:rPr kumimoji="1" lang="en-US" altLang="zh-CN" sz="2400" dirty="0" smtClean="0">
+                <a:latin typeface="Times New Roman" charset="0"/>
+                <a:ea typeface="Times New Roman" charset="0"/>
+                <a:cs typeface="Times New Roman" charset="0"/>
+              </a:rPr>
+              <a:t>Help Command</a:t>
             </a:r>
             <a:endParaRPr kumimoji="1" lang="zh-CN" altLang="en-US" sz="2400" dirty="0">
               <a:latin typeface="Times New Roman" charset="0"/>
@@ -4348,7 +4381,7 @@
         </p:nvSpPr>
         <p:spPr>
           <a:xfrm>
-            <a:off x="1097280" y="2459345"/>
+            <a:off x="1097280" y="2017556"/>
             <a:ext cx="10058400" cy="4023360"/>
           </a:xfrm>
         </p:spPr>
@@ -4387,17 +4420,6 @@
               <a:t> Collaborate with </a:t>
             </a:r>
             <a:r>
-              <a:rPr kumimoji="1" lang="en-US" altLang="zh-CN" sz="2800" dirty="0" err="1" smtClean="0">
-                <a:solidFill>
-                  <a:schemeClr val="tx1"/>
-                </a:solidFill>
-                <a:latin typeface="Times New Roman" charset="0"/>
-                <a:ea typeface="Times New Roman" charset="0"/>
-                <a:cs typeface="Times New Roman" charset="0"/>
-              </a:rPr>
-              <a:t>Ros</a:t>
-            </a:r>
-            <a:r>
               <a:rPr kumimoji="1" lang="en-US" altLang="zh-CN" sz="2800" dirty="0" smtClean="0">
                 <a:solidFill>
                   <a:schemeClr val="tx1"/>
@@ -4406,7 +4428,29 @@
                 <a:ea typeface="Times New Roman" charset="0"/>
                 <a:cs typeface="Times New Roman" charset="0"/>
               </a:rPr>
-              <a:t> group</a:t>
+              <a:t>ROS</a:t>
+            </a:r>
+            <a:r>
+              <a:rPr kumimoji="1" lang="en-US" altLang="zh-CN" sz="2800" dirty="0" smtClean="0">
+                <a:solidFill>
+                  <a:schemeClr val="tx1"/>
+                </a:solidFill>
+                <a:latin typeface="Times New Roman" charset="0"/>
+                <a:ea typeface="Times New Roman" charset="0"/>
+                <a:cs typeface="Times New Roman" charset="0"/>
+              </a:rPr>
+              <a:t> </a:t>
+            </a:r>
+            <a:r>
+              <a:rPr kumimoji="1" lang="en-US" altLang="zh-CN" sz="2800" dirty="0" smtClean="0">
+                <a:solidFill>
+                  <a:schemeClr val="tx1"/>
+                </a:solidFill>
+                <a:latin typeface="Times New Roman" charset="0"/>
+                <a:ea typeface="Times New Roman" charset="0"/>
+                <a:cs typeface="Times New Roman" charset="0"/>
+              </a:rPr>
+              <a:t>group</a:t>
             </a:r>
           </a:p>
           <a:p>
@@ -4477,17 +4521,6 @@
               <a:t>Type command in GUI, output a file, </a:t>
             </a:r>
             <a:r>
-              <a:rPr kumimoji="1" lang="en-US" altLang="zh-CN" sz="2800" dirty="0" err="1" smtClean="0">
-                <a:solidFill>
-                  <a:schemeClr val="tx1"/>
-                </a:solidFill>
-                <a:latin typeface="Times New Roman" charset="0"/>
-                <a:ea typeface="Times New Roman" charset="0"/>
-                <a:cs typeface="Times New Roman" charset="0"/>
-              </a:rPr>
-              <a:t>Ros</a:t>
-            </a:r>
-            <a:r>
               <a:rPr kumimoji="1" lang="en-US" altLang="zh-CN" sz="2800" dirty="0" smtClean="0">
                 <a:solidFill>
                   <a:schemeClr val="tx1"/>
@@ -4496,9 +4529,308 @@
                 <a:ea typeface="Times New Roman" charset="0"/>
                 <a:cs typeface="Times New Roman" charset="0"/>
               </a:rPr>
-              <a:t> reads the command, Robot executes the command</a:t>
-            </a:r>
-            <a:endParaRPr kumimoji="1" lang="zh-CN" altLang="en-US" sz="2800" dirty="0">
+              <a:t>the</a:t>
+            </a:r>
+            <a:r>
+              <a:rPr kumimoji="1" lang="zh-CN" altLang="en-US" sz="2800" dirty="0" smtClean="0">
+                <a:solidFill>
+                  <a:schemeClr val="tx1"/>
+                </a:solidFill>
+                <a:latin typeface="Times New Roman" charset="0"/>
+                <a:ea typeface="Times New Roman" charset="0"/>
+                <a:cs typeface="Times New Roman" charset="0"/>
+              </a:rPr>
+              <a:t> </a:t>
+            </a:r>
+            <a:r>
+              <a:rPr kumimoji="1" lang="en-US" altLang="zh-CN" sz="2800" dirty="0" smtClean="0">
+                <a:solidFill>
+                  <a:schemeClr val="tx1"/>
+                </a:solidFill>
+                <a:latin typeface="Times New Roman" charset="0"/>
+                <a:ea typeface="Times New Roman" charset="0"/>
+                <a:cs typeface="Times New Roman" charset="0"/>
+              </a:rPr>
+              <a:t>receiver</a:t>
+            </a:r>
+            <a:r>
+              <a:rPr kumimoji="1" lang="zh-CN" altLang="en-US" sz="2800" dirty="0" smtClean="0">
+                <a:solidFill>
+                  <a:schemeClr val="tx1"/>
+                </a:solidFill>
+                <a:latin typeface="Times New Roman" charset="0"/>
+                <a:ea typeface="Times New Roman" charset="0"/>
+                <a:cs typeface="Times New Roman" charset="0"/>
+              </a:rPr>
+              <a:t> </a:t>
+            </a:r>
+            <a:r>
+              <a:rPr kumimoji="1" lang="en-US" altLang="zh-CN" sz="2800" dirty="0" smtClean="0">
+                <a:solidFill>
+                  <a:schemeClr val="tx1"/>
+                </a:solidFill>
+                <a:latin typeface="Times New Roman" charset="0"/>
+                <a:ea typeface="Times New Roman" charset="0"/>
+                <a:cs typeface="Times New Roman" charset="0"/>
+              </a:rPr>
+              <a:t>from</a:t>
+            </a:r>
+            <a:r>
+              <a:rPr kumimoji="1" lang="zh-CN" altLang="en-US" sz="2800" dirty="0" smtClean="0">
+                <a:solidFill>
+                  <a:schemeClr val="tx1"/>
+                </a:solidFill>
+                <a:latin typeface="Times New Roman" charset="0"/>
+                <a:ea typeface="Times New Roman" charset="0"/>
+                <a:cs typeface="Times New Roman" charset="0"/>
+              </a:rPr>
+              <a:t> </a:t>
+            </a:r>
+            <a:r>
+              <a:rPr kumimoji="1" lang="en-US" altLang="zh-CN" sz="2800" dirty="0" smtClean="0">
+                <a:solidFill>
+                  <a:schemeClr val="tx1"/>
+                </a:solidFill>
+                <a:latin typeface="Times New Roman" charset="0"/>
+                <a:ea typeface="Times New Roman" charset="0"/>
+                <a:cs typeface="Times New Roman" charset="0"/>
+              </a:rPr>
+              <a:t>ROS</a:t>
+            </a:r>
+            <a:r>
+              <a:rPr kumimoji="1" lang="zh-CN" altLang="en-US" sz="2800" dirty="0" smtClean="0">
+                <a:solidFill>
+                  <a:schemeClr val="tx1"/>
+                </a:solidFill>
+                <a:latin typeface="Times New Roman" charset="0"/>
+                <a:ea typeface="Times New Roman" charset="0"/>
+                <a:cs typeface="Times New Roman" charset="0"/>
+              </a:rPr>
+              <a:t> </a:t>
+            </a:r>
+            <a:r>
+              <a:rPr kumimoji="1" lang="en-US" altLang="zh-CN" sz="2800" dirty="0" smtClean="0">
+                <a:solidFill>
+                  <a:schemeClr val="tx1"/>
+                </a:solidFill>
+                <a:latin typeface="Times New Roman" charset="0"/>
+                <a:ea typeface="Times New Roman" charset="0"/>
+                <a:cs typeface="Times New Roman" charset="0"/>
+              </a:rPr>
+              <a:t>group</a:t>
+            </a:r>
+            <a:r>
+              <a:rPr kumimoji="1" lang="en-US" altLang="zh-CN" sz="2800" dirty="0" smtClean="0">
+                <a:solidFill>
+                  <a:schemeClr val="tx1"/>
+                </a:solidFill>
+                <a:latin typeface="Times New Roman" charset="0"/>
+                <a:ea typeface="Times New Roman" charset="0"/>
+                <a:cs typeface="Times New Roman" charset="0"/>
+              </a:rPr>
+              <a:t> </a:t>
+            </a:r>
+            <a:r>
+              <a:rPr kumimoji="1" lang="en-US" altLang="zh-CN" sz="2800" dirty="0" smtClean="0">
+                <a:solidFill>
+                  <a:schemeClr val="tx1"/>
+                </a:solidFill>
+                <a:latin typeface="Times New Roman" charset="0"/>
+                <a:ea typeface="Times New Roman" charset="0"/>
+                <a:cs typeface="Times New Roman" charset="0"/>
+              </a:rPr>
+              <a:t>reads the command, Robot executes the </a:t>
+            </a:r>
+            <a:r>
+              <a:rPr kumimoji="1" lang="en-US" altLang="zh-CN" sz="2800" dirty="0" smtClean="0">
+                <a:solidFill>
+                  <a:schemeClr val="tx1"/>
+                </a:solidFill>
+                <a:latin typeface="Times New Roman" charset="0"/>
+                <a:ea typeface="Times New Roman" charset="0"/>
+                <a:cs typeface="Times New Roman" charset="0"/>
+              </a:rPr>
+              <a:t>command</a:t>
+            </a:r>
+          </a:p>
+          <a:p>
+            <a:pPr marR="0" lvl="0" defTabSz="914400" eaLnBrk="1" fontAlgn="auto" latinLnBrk="0" hangingPunct="1">
+              <a:lnSpc>
+                <a:spcPct val="100000"/>
+              </a:lnSpc>
+              <a:spcBef>
+                <a:spcPts val="0"/>
+              </a:spcBef>
+              <a:spcAft>
+                <a:spcPts val="0"/>
+              </a:spcAft>
+              <a:buClrTx/>
+              <a:buSzTx/>
+              <a:buFont typeface="Arial" charset="0"/>
+              <a:buChar char="•"/>
+              <a:tabLst/>
+              <a:defRPr/>
+            </a:pPr>
+            <a:endParaRPr kumimoji="1" lang="en-US" altLang="zh-CN" sz="2800" dirty="0">
+              <a:solidFill>
+                <a:schemeClr val="tx1"/>
+              </a:solidFill>
+              <a:latin typeface="Times New Roman" charset="0"/>
+              <a:ea typeface="Times New Roman" charset="0"/>
+              <a:cs typeface="Times New Roman" charset="0"/>
+            </a:endParaRPr>
+          </a:p>
+          <a:p>
+            <a:pPr marR="0" lvl="0" defTabSz="914400" eaLnBrk="1" fontAlgn="auto" latinLnBrk="0" hangingPunct="1">
+              <a:lnSpc>
+                <a:spcPct val="100000"/>
+              </a:lnSpc>
+              <a:spcBef>
+                <a:spcPts val="0"/>
+              </a:spcBef>
+              <a:spcAft>
+                <a:spcPts val="0"/>
+              </a:spcAft>
+              <a:buClrTx/>
+              <a:buSzTx/>
+              <a:buFont typeface="Arial" charset="0"/>
+              <a:buChar char="•"/>
+              <a:tabLst/>
+              <a:defRPr/>
+            </a:pPr>
+            <a:r>
+              <a:rPr kumimoji="1" lang="zh-CN" altLang="en-US" sz="2800" dirty="0">
+                <a:solidFill>
+                  <a:schemeClr val="tx1"/>
+                </a:solidFill>
+                <a:latin typeface="Times New Roman" charset="0"/>
+                <a:ea typeface="Times New Roman" charset="0"/>
+                <a:cs typeface="Times New Roman" charset="0"/>
+              </a:rPr>
+              <a:t> </a:t>
+            </a:r>
+            <a:r>
+              <a:rPr kumimoji="1" lang="en-US" altLang="zh-CN" sz="2800" dirty="0" smtClean="0">
+                <a:solidFill>
+                  <a:schemeClr val="tx1"/>
+                </a:solidFill>
+                <a:latin typeface="Times New Roman" charset="0"/>
+                <a:ea typeface="Times New Roman" charset="0"/>
+                <a:cs typeface="Times New Roman" charset="0"/>
+              </a:rPr>
+              <a:t>Conflict</a:t>
+            </a:r>
+            <a:r>
+              <a:rPr kumimoji="1" lang="zh-CN" altLang="en-US" sz="2800" dirty="0" smtClean="0">
+                <a:solidFill>
+                  <a:schemeClr val="tx1"/>
+                </a:solidFill>
+                <a:latin typeface="Times New Roman" charset="0"/>
+                <a:ea typeface="Times New Roman" charset="0"/>
+                <a:cs typeface="Times New Roman" charset="0"/>
+              </a:rPr>
+              <a:t> </a:t>
+            </a:r>
+            <a:r>
+              <a:rPr kumimoji="1" lang="en-US" altLang="zh-CN" sz="2800" dirty="0" smtClean="0">
+                <a:solidFill>
+                  <a:schemeClr val="tx1"/>
+                </a:solidFill>
+                <a:latin typeface="Times New Roman" charset="0"/>
+                <a:ea typeface="Times New Roman" charset="0"/>
+                <a:cs typeface="Times New Roman" charset="0"/>
+              </a:rPr>
+              <a:t>check:</a:t>
+            </a:r>
+            <a:r>
+              <a:rPr kumimoji="1" lang="zh-CN" altLang="en-US" sz="2800" dirty="0" smtClean="0">
+                <a:solidFill>
+                  <a:schemeClr val="tx1"/>
+                </a:solidFill>
+                <a:latin typeface="Times New Roman" charset="0"/>
+                <a:ea typeface="Times New Roman" charset="0"/>
+                <a:cs typeface="Times New Roman" charset="0"/>
+              </a:rPr>
+              <a:t> </a:t>
+            </a:r>
+            <a:r>
+              <a:rPr kumimoji="1" lang="en-US" altLang="zh-CN" sz="2800" dirty="0" smtClean="0">
+                <a:solidFill>
+                  <a:schemeClr val="tx1"/>
+                </a:solidFill>
+                <a:latin typeface="Times New Roman" charset="0"/>
+                <a:ea typeface="Times New Roman" charset="0"/>
+                <a:cs typeface="Times New Roman" charset="0"/>
+              </a:rPr>
+              <a:t>exist</a:t>
+            </a:r>
+            <a:r>
+              <a:rPr kumimoji="1" lang="zh-CN" altLang="en-US" sz="2800" dirty="0">
+                <a:solidFill>
+                  <a:schemeClr val="tx1"/>
+                </a:solidFill>
+                <a:latin typeface="Times New Roman" charset="0"/>
+                <a:ea typeface="Times New Roman" charset="0"/>
+                <a:cs typeface="Times New Roman" charset="0"/>
+              </a:rPr>
+              <a:t> </a:t>
+            </a:r>
+            <a:r>
+              <a:rPr kumimoji="1" lang="en-US" altLang="zh-CN" sz="2800" dirty="0" smtClean="0">
+                <a:solidFill>
+                  <a:schemeClr val="tx1"/>
+                </a:solidFill>
+                <a:latin typeface="Times New Roman" charset="0"/>
+                <a:ea typeface="Times New Roman" charset="0"/>
+                <a:cs typeface="Times New Roman" charset="0"/>
+              </a:rPr>
+              <a:t>of</a:t>
+            </a:r>
+            <a:r>
+              <a:rPr kumimoji="1" lang="zh-CN" altLang="en-US" sz="2800" dirty="0" smtClean="0">
+                <a:solidFill>
+                  <a:schemeClr val="tx1"/>
+                </a:solidFill>
+                <a:latin typeface="Times New Roman" charset="0"/>
+                <a:ea typeface="Times New Roman" charset="0"/>
+                <a:cs typeface="Times New Roman" charset="0"/>
+              </a:rPr>
+              <a:t> </a:t>
+            </a:r>
+            <a:r>
+              <a:rPr kumimoji="1" lang="en-US" altLang="zh-CN" sz="2800" dirty="0" smtClean="0">
+                <a:solidFill>
+                  <a:schemeClr val="tx1"/>
+                </a:solidFill>
+                <a:latin typeface="Times New Roman" charset="0"/>
+                <a:ea typeface="Times New Roman" charset="0"/>
+                <a:cs typeface="Times New Roman" charset="0"/>
+              </a:rPr>
+              <a:t>output</a:t>
+            </a:r>
+            <a:r>
+              <a:rPr kumimoji="1" lang="zh-CN" altLang="en-US" sz="2800" dirty="0" smtClean="0">
+                <a:solidFill>
+                  <a:schemeClr val="tx1"/>
+                </a:solidFill>
+                <a:latin typeface="Times New Roman" charset="0"/>
+                <a:ea typeface="Times New Roman" charset="0"/>
+                <a:cs typeface="Times New Roman" charset="0"/>
+              </a:rPr>
+              <a:t> </a:t>
+            </a:r>
+            <a:r>
+              <a:rPr kumimoji="1" lang="en-US" altLang="zh-CN" sz="2800" dirty="0" smtClean="0">
+                <a:solidFill>
+                  <a:schemeClr val="tx1"/>
+                </a:solidFill>
+                <a:latin typeface="Times New Roman" charset="0"/>
+                <a:ea typeface="Times New Roman" charset="0"/>
+                <a:cs typeface="Times New Roman" charset="0"/>
+              </a:rPr>
+              <a:t>file</a:t>
+            </a:r>
+            <a:endParaRPr kumimoji="1" lang="en-US" altLang="zh-CN" sz="2800" dirty="0" smtClean="0">
               <a:solidFill>
                 <a:schemeClr val="tx1"/>
               </a:solidFill>
@@ -4816,91 +5148,40 @@
           <a:chExt cx="0" cy="0"/>
         </a:xfrm>
       </p:grpSpPr>
-      <p:sp>
-        <p:nvSpPr>
-          <p:cNvPr id="2" name="标题 1"/>
-          <p:cNvSpPr>
-            <a:spLocks noGrp="1"/>
-          </p:cNvSpPr>
-          <p:nvPr>
-            <p:ph type="title"/>
-          </p:nvPr>
-        </p:nvSpPr>
-        <p:spPr/>
-        <p:txBody>
-          <a:bodyPr/>
-          <a:lstStyle/>
-          <a:p>
-            <a:r>
-              <a:rPr kumimoji="1" lang="en-US" altLang="zh-CN" dirty="0">
-                <a:latin typeface="Times New Roman" charset="0"/>
-                <a:ea typeface="Times New Roman" charset="0"/>
-                <a:cs typeface="Times New Roman" charset="0"/>
-              </a:rPr>
-              <a:t>Thanks.</a:t>
-            </a:r>
-            <a:endParaRPr kumimoji="1" lang="zh-CN" altLang="en-US" dirty="0">
-              <a:latin typeface="Times New Roman" charset="0"/>
-              <a:ea typeface="Times New Roman" charset="0"/>
-              <a:cs typeface="Times New Roman" charset="0"/>
-            </a:endParaRPr>
-          </a:p>
-        </p:txBody>
-      </p:sp>
-      <p:sp>
-        <p:nvSpPr>
-          <p:cNvPr id="3" name="内容占位符 2"/>
-          <p:cNvSpPr>
-            <a:spLocks noGrp="1"/>
-          </p:cNvSpPr>
-          <p:nvPr>
-            <p:ph idx="1"/>
-          </p:nvPr>
-        </p:nvSpPr>
-        <p:spPr/>
-        <p:txBody>
-          <a:bodyPr>
-            <a:normAutofit/>
-          </a:bodyPr>
-          <a:lstStyle/>
-          <a:p>
-            <a:endParaRPr kumimoji="1" lang="zh-CN" altLang="en-US" sz="4800" dirty="0">
-              <a:latin typeface="Times New Roman" charset="0"/>
-              <a:ea typeface="Times New Roman" charset="0"/>
-              <a:cs typeface="Times New Roman" charset="0"/>
-            </a:endParaRPr>
-          </a:p>
-        </p:txBody>
-      </p:sp>
+      <p:pic>
+        <p:nvPicPr>
+          <p:cNvPr id="2" name="Content Placeholder 3"/>
+          <p:cNvPicPr>
+            <a:picLocks noChangeAspect="1"/>
+          </p:cNvPicPr>
+          <p:nvPr/>
+        </p:nvPicPr>
+        <p:blipFill>
+          <a:blip r:embed="rId2"/>
+          <a:stretch>
+            <a:fillRect/>
+          </a:stretch>
+        </p:blipFill>
+        <p:spPr>
+          <a:xfrm>
+            <a:off x="3300507" y="1198992"/>
+            <a:ext cx="5363633" cy="4022725"/>
+          </a:xfrm>
+          <a:prstGeom prst="rect">
+            <a:avLst/>
+          </a:prstGeom>
+        </p:spPr>
+      </p:pic>
     </p:spTree>
     <p:extLst>
       <p:ext uri="{BB962C8B-B14F-4D97-AF65-F5344CB8AC3E}">
-        <p14:creationId xmlns:p14="http://schemas.microsoft.com/office/powerpoint/2010/main" val="582511714"/>
+        <p14:creationId xmlns:p14="http://schemas.microsoft.com/office/powerpoint/2010/main" val="1994801903"/>
       </p:ext>
     </p:extLst>
   </p:cSld>
   <p:clrMapOvr>
     <a:masterClrMapping/>
   </p:clrMapOvr>
-  <mc:AlternateContent xmlns:mc="http://schemas.openxmlformats.org/markup-compatibility/2006">
-    <mc:Choice xmlns:p14="http://schemas.microsoft.com/office/powerpoint/2010/main" Requires="p14">
-      <p:transition spd="med" p14:dur="700">
-        <p:fade/>
-      </p:transition>
-    </mc:Choice>
-    <mc:Fallback>
-      <p:transition spd="med">
-        <p:fade/>
-      </p:transition>
-    </mc:Fallback>
-  </mc:AlternateContent>
-  <p:timing>
-    <p:tnLst>
-      <p:par>
-        <p:cTn id="1" dur="indefinite" restart="never" nodeType="tmRoot"/>
-      </p:par>
-    </p:tnLst>
-  </p:timing>
 </p:sld>
 </file>
 

--- a/CC update 12:13.pptx
+++ b/CC update 12:13.pptx
@@ -4050,36 +4050,6 @@
           </a:p>
         </p:txBody>
       </p:sp>
-      <p:pic>
-        <p:nvPicPr>
-          <p:cNvPr id="4" name="图片 3"/>
-          <p:cNvPicPr>
-            <a:picLocks noChangeAspect="1"/>
-          </p:cNvPicPr>
-          <p:nvPr/>
-        </p:nvPicPr>
-        <p:blipFill>
-          <a:blip r:embed="rId2">
-            <a:extLst>
-              <a:ext uri="{28A0092B-C50C-407E-A947-70E740481C1C}">
-                <a14:useLocalDpi xmlns:a14="http://schemas.microsoft.com/office/drawing/2010/main" val="0"/>
-              </a:ext>
-            </a:extLst>
-          </a:blip>
-          <a:stretch>
-            <a:fillRect/>
-          </a:stretch>
-        </p:blipFill>
-        <p:spPr>
-          <a:xfrm>
-            <a:off x="4490185" y="386219"/>
-            <a:ext cx="6665495" cy="5677696"/>
-          </a:xfrm>
-          <a:prstGeom prst="rect">
-            <a:avLst/>
-          </a:prstGeom>
-        </p:spPr>
-      </p:pic>
       <p:sp>
         <p:nvSpPr>
           <p:cNvPr id="5" name="文本框 4"/>
@@ -4170,15 +4140,7 @@
                 <a:ea typeface="Times New Roman" charset="0"/>
                 <a:cs typeface="Times New Roman" charset="0"/>
               </a:rPr>
-              <a:t>Command </a:t>
-            </a:r>
-            <a:r>
-              <a:rPr kumimoji="1" lang="en-US" altLang="zh-CN" sz="2400" dirty="0" smtClean="0">
-                <a:latin typeface="Times New Roman" charset="0"/>
-                <a:ea typeface="Times New Roman" charset="0"/>
-                <a:cs typeface="Times New Roman" charset="0"/>
-              </a:rPr>
-              <a:t>line</a:t>
+              <a:t>Command line</a:t>
             </a:r>
           </a:p>
           <a:p>
@@ -4213,6 +4175,30 @@
           </a:p>
         </p:txBody>
       </p:sp>
+      <p:pic>
+        <p:nvPicPr>
+          <p:cNvPr id="6" name="Picture 5"/>
+          <p:cNvPicPr>
+            <a:picLocks noChangeAspect="1"/>
+          </p:cNvPicPr>
+          <p:nvPr/>
+        </p:nvPicPr>
+        <p:blipFill>
+          <a:blip r:embed="rId2"/>
+          <a:stretch>
+            <a:fillRect/>
+          </a:stretch>
+        </p:blipFill>
+        <p:spPr>
+          <a:xfrm>
+            <a:off x="4490185" y="517358"/>
+            <a:ext cx="7350800" cy="5366084"/>
+          </a:xfrm>
+          <a:prstGeom prst="rect">
+            <a:avLst/>
+          </a:prstGeom>
+        </p:spPr>
+      </p:pic>
     </p:spTree>
     <p:extLst>
       <p:ext uri="{BB962C8B-B14F-4D97-AF65-F5344CB8AC3E}">
@@ -4238,83 +4224,7 @@
   <p:timing>
     <p:tnLst>
       <p:par>
-        <p:cTn id="1" dur="indefinite" restart="never" nodeType="tmRoot">
-          <p:childTnLst>
-            <p:seq concurrent="1" nextAc="seek">
-              <p:cTn id="2" dur="indefinite" nodeType="mainSeq">
-                <p:childTnLst>
-                  <p:par>
-                    <p:cTn id="3" fill="hold">
-                      <p:stCondLst>
-                        <p:cond delay="indefinite"/>
-                      </p:stCondLst>
-                      <p:childTnLst>
-                        <p:par>
-                          <p:cTn id="4" fill="hold">
-                            <p:stCondLst>
-                              <p:cond delay="0"/>
-                            </p:stCondLst>
-                            <p:childTnLst>
-                              <p:par>
-                                <p:cTn id="5" presetID="9" presetClass="entr" presetSubtype="0" fill="hold" nodeType="clickEffect">
-                                  <p:stCondLst>
-                                    <p:cond delay="0"/>
-                                  </p:stCondLst>
-                                  <p:childTnLst>
-                                    <p:set>
-                                      <p:cBhvr>
-                                        <p:cTn id="6" dur="1" fill="hold">
-                                          <p:stCondLst>
-                                            <p:cond delay="0"/>
-                                          </p:stCondLst>
-                                        </p:cTn>
-                                        <p:tgtEl>
-                                          <p:spTgt spid="4"/>
-                                        </p:tgtEl>
-                                        <p:attrNameLst>
-                                          <p:attrName>style.visibility</p:attrName>
-                                        </p:attrNameLst>
-                                      </p:cBhvr>
-                                      <p:to>
-                                        <p:strVal val="visible"/>
-                                      </p:to>
-                                    </p:set>
-                                    <p:animEffect transition="in" filter="dissolve">
-                                      <p:cBhvr>
-                                        <p:cTn id="7" dur="500"/>
-                                        <p:tgtEl>
-                                          <p:spTgt spid="4"/>
-                                        </p:tgtEl>
-                                      </p:cBhvr>
-                                    </p:animEffect>
-                                  </p:childTnLst>
-                                </p:cTn>
-                              </p:par>
-                            </p:childTnLst>
-                          </p:cTn>
-                        </p:par>
-                      </p:childTnLst>
-                    </p:cTn>
-                  </p:par>
-                </p:childTnLst>
-              </p:cTn>
-              <p:prevCondLst>
-                <p:cond evt="onPrev" delay="0">
-                  <p:tgtEl>
-                    <p:sldTgt/>
-                  </p:tgtEl>
-                </p:cond>
-              </p:prevCondLst>
-              <p:nextCondLst>
-                <p:cond evt="onNext" delay="0">
-                  <p:tgtEl>
-                    <p:sldTgt/>
-                  </p:tgtEl>
-                </p:cond>
-              </p:nextCondLst>
-            </p:seq>
-          </p:childTnLst>
-        </p:cTn>
+        <p:cTn id="1" dur="indefinite" restart="never" nodeType="tmRoot"/>
       </p:par>
     </p:tnLst>
   </p:timing>
@@ -4417,40 +4327,7 @@
                 <a:ea typeface="Times New Roman" charset="0"/>
                 <a:cs typeface="Times New Roman" charset="0"/>
               </a:rPr>
-              <a:t> Collaborate with </a:t>
-            </a:r>
-            <a:r>
-              <a:rPr kumimoji="1" lang="en-US" altLang="zh-CN" sz="2800" dirty="0" smtClean="0">
-                <a:solidFill>
-                  <a:schemeClr val="tx1"/>
-                </a:solidFill>
-                <a:latin typeface="Times New Roman" charset="0"/>
-                <a:ea typeface="Times New Roman" charset="0"/>
-                <a:cs typeface="Times New Roman" charset="0"/>
-              </a:rPr>
-              <a:t>ROS</a:t>
-            </a:r>
-            <a:r>
-              <a:rPr kumimoji="1" lang="en-US" altLang="zh-CN" sz="2800" dirty="0" smtClean="0">
-                <a:solidFill>
-                  <a:schemeClr val="tx1"/>
-                </a:solidFill>
-                <a:latin typeface="Times New Roman" charset="0"/>
-                <a:ea typeface="Times New Roman" charset="0"/>
-                <a:cs typeface="Times New Roman" charset="0"/>
-              </a:rPr>
-              <a:t> </a:t>
-            </a:r>
-            <a:r>
-              <a:rPr kumimoji="1" lang="en-US" altLang="zh-CN" sz="2800" dirty="0" smtClean="0">
-                <a:solidFill>
-                  <a:schemeClr val="tx1"/>
-                </a:solidFill>
-                <a:latin typeface="Times New Roman" charset="0"/>
-                <a:ea typeface="Times New Roman" charset="0"/>
-                <a:cs typeface="Times New Roman" charset="0"/>
-              </a:rPr>
-              <a:t>group</a:t>
+              <a:t> Collaborate with ROS group</a:t>
             </a:r>
           </a:p>
           <a:p>
@@ -4518,18 +4395,7 @@
                 <a:ea typeface="Times New Roman" charset="0"/>
                 <a:cs typeface="Times New Roman" charset="0"/>
               </a:rPr>
-              <a:t>Type command in GUI, output a file, </a:t>
-            </a:r>
-            <a:r>
-              <a:rPr kumimoji="1" lang="en-US" altLang="zh-CN" sz="2800" dirty="0" smtClean="0">
-                <a:solidFill>
-                  <a:schemeClr val="tx1"/>
-                </a:solidFill>
-                <a:latin typeface="Times New Roman" charset="0"/>
-                <a:ea typeface="Times New Roman" charset="0"/>
-                <a:cs typeface="Times New Roman" charset="0"/>
-              </a:rPr>
-              <a:t>the</a:t>
+              <a:t>Type command in GUI, output a file, the</a:t>
             </a:r>
             <a:r>
               <a:rPr kumimoji="1" lang="zh-CN" altLang="en-US" sz="2800" dirty="0" smtClean="0">
@@ -4617,40 +4483,7 @@
                 <a:ea typeface="Times New Roman" charset="0"/>
                 <a:cs typeface="Times New Roman" charset="0"/>
               </a:rPr>
-              <a:t>group</a:t>
-            </a:r>
-            <a:r>
-              <a:rPr kumimoji="1" lang="en-US" altLang="zh-CN" sz="2800" dirty="0" smtClean="0">
-                <a:solidFill>
-                  <a:schemeClr val="tx1"/>
-                </a:solidFill>
-                <a:latin typeface="Times New Roman" charset="0"/>
-                <a:ea typeface="Times New Roman" charset="0"/>
-                <a:cs typeface="Times New Roman" charset="0"/>
-              </a:rPr>
-              <a:t> </a:t>
-            </a:r>
-            <a:r>
-              <a:rPr kumimoji="1" lang="en-US" altLang="zh-CN" sz="2800" dirty="0" smtClean="0">
-                <a:solidFill>
-                  <a:schemeClr val="tx1"/>
-                </a:solidFill>
-                <a:latin typeface="Times New Roman" charset="0"/>
-                <a:ea typeface="Times New Roman" charset="0"/>
-                <a:cs typeface="Times New Roman" charset="0"/>
-              </a:rPr>
-              <a:t>reads the command, Robot executes the </a:t>
-            </a:r>
-            <a:r>
-              <a:rPr kumimoji="1" lang="en-US" altLang="zh-CN" sz="2800" dirty="0" smtClean="0">
-                <a:solidFill>
-                  <a:schemeClr val="tx1"/>
-                </a:solidFill>
-                <a:latin typeface="Times New Roman" charset="0"/>
-                <a:ea typeface="Times New Roman" charset="0"/>
-                <a:cs typeface="Times New Roman" charset="0"/>
-              </a:rPr>
-              <a:t>command</a:t>
+              <a:t>group reads the command, Robot executes the command</a:t>
             </a:r>
           </a:p>
           <a:p>
@@ -4830,14 +4663,6 @@
               </a:rPr>
               <a:t>file</a:t>
             </a:r>
-            <a:endParaRPr kumimoji="1" lang="en-US" altLang="zh-CN" sz="2800" dirty="0" smtClean="0">
-              <a:solidFill>
-                <a:schemeClr val="tx1"/>
-              </a:solidFill>
-              <a:latin typeface="Times New Roman" charset="0"/>
-              <a:ea typeface="Times New Roman" charset="0"/>
-              <a:cs typeface="Times New Roman" charset="0"/>
-            </a:endParaRPr>
           </a:p>
         </p:txBody>
       </p:sp>
